--- a/presentation.pptx
+++ b/presentation.pptx
@@ -13,6 +13,12 @@
     <p:sldId id="261" r:id="rId7"/>
     <p:sldId id="262" r:id="rId8"/>
     <p:sldId id="263" r:id="rId9"/>
+    <p:sldId id="264" r:id="rId10"/>
+    <p:sldId id="265" r:id="rId11"/>
+    <p:sldId id="266" r:id="rId12"/>
+    <p:sldId id="267" r:id="rId13"/>
+    <p:sldId id="268" r:id="rId14"/>
+    <p:sldId id="269" r:id="rId15"/>
   </p:sldIdLst>
   <p:sldSz cx="12192000" cy="6858000"/>
   <p:notesSz cx="6858000" cy="9144000"/>
@@ -111,6 +117,11 @@
       </a:defRPr>
     </a:lvl9pPr>
   </p:defaultTextStyle>
+  <p:extLst>
+    <p:ext uri="{EFAFB233-063F-42B5-8137-9DF3F51BA10A}">
+      <p15:sldGuideLst xmlns:p15="http://schemas.microsoft.com/office/powerpoint/2012/main"/>
+    </p:ext>
+  </p:extLst>
 </p:presentation>
 </file>
 
@@ -2418,9 +2429,19 @@
 <p:sldMaster xmlns:a="http://schemas.openxmlformats.org/drawingml/2006/main" xmlns:r="http://schemas.openxmlformats.org/officeDocument/2006/relationships" xmlns:p="http://schemas.openxmlformats.org/presentationml/2006/main">
   <p:cSld>
     <p:bg>
-      <p:bgRef idx="1001">
-        <a:schemeClr val="bg1"/>
-      </p:bgRef>
+      <p:bgPr>
+        <a:blipFill dpi="0" rotWithShape="1">
+          <a:blip r:embed="rId13">
+            <a:alphaModFix amt="13000"/>
+            <a:lum/>
+          </a:blip>
+          <a:srcRect/>
+          <a:stretch>
+            <a:fillRect t="6000" b="-4000"/>
+          </a:stretch>
+        </a:blipFill>
+        <a:effectLst/>
+      </p:bgPr>
     </p:bg>
     <p:spTree>
       <p:nvGrpSpPr>
@@ -2957,6 +2978,21 @@
 <file path=ppt/slides/slide1.xml><?xml version="1.0" encoding="utf-8"?>
 <p:sld xmlns:a="http://schemas.openxmlformats.org/drawingml/2006/main" xmlns:r="http://schemas.openxmlformats.org/officeDocument/2006/relationships" xmlns:p="http://schemas.openxmlformats.org/presentationml/2006/main">
   <p:cSld>
+    <p:bg>
+      <p:bgPr>
+        <a:blipFill dpi="0" rotWithShape="1">
+          <a:blip r:embed="rId2">
+            <a:alphaModFix amt="4000"/>
+            <a:lum/>
+          </a:blip>
+          <a:srcRect/>
+          <a:stretch>
+            <a:fillRect t="6000" b="-4000"/>
+          </a:stretch>
+        </a:blipFill>
+        <a:effectLst/>
+      </p:bgPr>
+    </p:bg>
     <p:spTree>
       <p:nvGrpSpPr>
         <p:cNvPr id="1" name=""/>
@@ -2989,79 +3025,87 @@
             <a:r>
               <a:rPr lang="en-US" b="1" dirty="0">
                 <a:solidFill>
+                  <a:srgbClr val="FF0000"/>
+                </a:solidFill>
+              </a:rPr>
+              <a:t>Movie </a:t>
+            </a:r>
+            <a:r>
+              <a:rPr lang="en-US" b="1" dirty="0" smtClean="0">
+                <a:solidFill>
+                  <a:srgbClr val="FF0000"/>
+                </a:solidFill>
+              </a:rPr>
+              <a:t>Recommender </a:t>
+            </a:r>
+            <a:r>
+              <a:rPr lang="en-US" b="1" dirty="0">
+                <a:solidFill>
+                  <a:srgbClr val="FF0000"/>
+                </a:solidFill>
+              </a:rPr>
+              <a:t>System</a:t>
+            </a:r>
+            <a:r>
+              <a:rPr lang="en-US" dirty="0">
+                <a:solidFill>
                   <a:schemeClr val="tx1">
-                    <a:lumMod val="50000"/>
-                    <a:lumOff val="50000"/>
+                    <a:lumMod val="95000"/>
+                    <a:lumOff val="5000"/>
                   </a:schemeClr>
                 </a:solidFill>
               </a:rPr>
-              <a:t>Movie </a:t>
-            </a:r>
-            <a:r>
-              <a:rPr lang="en-US" b="1" dirty="0" err="1">
+              <a:t/>
+            </a:r>
+            <a:br>
+              <a:rPr lang="en-US" dirty="0">
                 <a:solidFill>
                   <a:schemeClr val="tx1">
-                    <a:lumMod val="50000"/>
-                    <a:lumOff val="50000"/>
+                    <a:lumMod val="95000"/>
+                    <a:lumOff val="5000"/>
                   </a:schemeClr>
                 </a:solidFill>
               </a:rPr>
-              <a:t>Recomemder</a:t>
-            </a:r>
-            <a:r>
-              <a:rPr lang="en-US" b="1" dirty="0">
-                <a:solidFill>
-                  <a:schemeClr val="tx1">
-                    <a:lumMod val="50000"/>
-                    <a:lumOff val="50000"/>
-                  </a:schemeClr>
-                </a:solidFill>
-              </a:rPr>
-              <a:t> System</a:t>
-            </a:r>
-            <a:r>
-              <a:rPr lang="en-US" dirty="0"/>
-              <a:t/>
-            </a:r>
-            <a:br>
-              <a:rPr lang="en-US" dirty="0"/>
             </a:br>
-            <a:endParaRPr lang="en-US" dirty="0"/>
-          </a:p>
-        </p:txBody>
-      </p:sp>
-      <p:sp>
-        <p:nvSpPr>
-          <p:cNvPr id="3" name="Subtitle 2"/>
-          <p:cNvSpPr>
-            <a:spLocks noGrp="1"/>
-          </p:cNvSpPr>
-          <p:nvPr>
-            <p:ph type="subTitle" idx="1"/>
-          </p:nvPr>
-        </p:nvSpPr>
-        <p:spPr/>
-        <p:txBody>
-          <a:bodyPr/>
-          <a:lstStyle/>
-          <a:p>
-            <a:r>
-              <a:rPr lang="en-US" dirty="0" smtClean="0">
-                <a:solidFill>
-                  <a:schemeClr val="tx1">
-                    <a:lumMod val="50000"/>
-                    <a:lumOff val="50000"/>
-                  </a:schemeClr>
-                </a:solidFill>
-              </a:rPr>
-              <a:t>User - Based</a:t>
-            </a:r>
             <a:endParaRPr lang="en-US" dirty="0">
               <a:solidFill>
                 <a:schemeClr val="tx1">
-                  <a:lumMod val="50000"/>
-                  <a:lumOff val="50000"/>
+                  <a:lumMod val="95000"/>
+                  <a:lumOff val="5000"/>
                 </a:schemeClr>
+              </a:solidFill>
+            </a:endParaRPr>
+          </a:p>
+        </p:txBody>
+      </p:sp>
+      <p:sp>
+        <p:nvSpPr>
+          <p:cNvPr id="3" name="Subtitle 2"/>
+          <p:cNvSpPr>
+            <a:spLocks noGrp="1"/>
+          </p:cNvSpPr>
+          <p:nvPr>
+            <p:ph type="subTitle" idx="1"/>
+          </p:nvPr>
+        </p:nvSpPr>
+        <p:spPr/>
+        <p:txBody>
+          <a:bodyPr>
+            <a:normAutofit/>
+          </a:bodyPr>
+          <a:lstStyle/>
+          <a:p>
+            <a:r>
+              <a:rPr lang="en-US" sz="5400" dirty="0" smtClean="0">
+                <a:solidFill>
+                  <a:srgbClr val="FF0000"/>
+                </a:solidFill>
+              </a:rPr>
+              <a:t>Collaborative filtering</a:t>
+            </a:r>
+            <a:endParaRPr lang="en-US" sz="5400" dirty="0">
+              <a:solidFill>
+                <a:srgbClr val="FF0000"/>
               </a:solidFill>
             </a:endParaRPr>
           </a:p>
@@ -3080,7 +3124,7 @@
 </p:sld>
 </file>
 
-<file path=ppt/slides/slide2.xml><?xml version="1.0" encoding="utf-8"?>
+<file path=ppt/slides/slide10.xml><?xml version="1.0" encoding="utf-8"?>
 <p:sld xmlns:a="http://schemas.openxmlformats.org/drawingml/2006/main" xmlns:r="http://schemas.openxmlformats.org/officeDocument/2006/relationships" xmlns:p="http://schemas.openxmlformats.org/presentationml/2006/main">
   <p:cSld>
     <p:spTree>
@@ -3114,10 +3158,607 @@
           <a:p>
             <a:pPr algn="ctr"/>
             <a:r>
-              <a:rPr lang="en-US" dirty="0" smtClean="0"/>
+              <a:rPr lang="en-US" dirty="0" smtClean="0">
+                <a:solidFill>
+                  <a:srgbClr val="FF0000"/>
+                </a:solidFill>
+              </a:rPr>
+              <a:t>Rating Distribution by Genre</a:t>
+            </a:r>
+            <a:endParaRPr lang="en-US" dirty="0">
+              <a:solidFill>
+                <a:srgbClr val="FF0000"/>
+              </a:solidFill>
+            </a:endParaRPr>
+          </a:p>
+        </p:txBody>
+      </p:sp>
+      <p:pic>
+        <p:nvPicPr>
+          <p:cNvPr id="4" name="Content Placeholder 3"/>
+          <p:cNvPicPr>
+            <a:picLocks noGrp="1" noChangeAspect="1"/>
+          </p:cNvPicPr>
+          <p:nvPr>
+            <p:ph idx="1"/>
+          </p:nvPr>
+        </p:nvPicPr>
+        <p:blipFill>
+          <a:blip r:embed="rId2">
+            <a:extLst>
+              <a:ext uri="{28A0092B-C50C-407E-A947-70E740481C1C}">
+                <a14:useLocalDpi xmlns:a14="http://schemas.microsoft.com/office/drawing/2010/main" val="0"/>
+              </a:ext>
+            </a:extLst>
+          </a:blip>
+          <a:stretch>
+            <a:fillRect/>
+          </a:stretch>
+        </p:blipFill>
+        <p:spPr>
+          <a:xfrm>
+            <a:off x="640080" y="1825625"/>
+            <a:ext cx="10949940" cy="4351338"/>
+          </a:xfrm>
+        </p:spPr>
+      </p:pic>
+    </p:spTree>
+    <p:extLst>
+      <p:ext uri="{BB962C8B-B14F-4D97-AF65-F5344CB8AC3E}">
+        <p14:creationId xmlns:p14="http://schemas.microsoft.com/office/powerpoint/2010/main" val="3360672960"/>
+      </p:ext>
+    </p:extLst>
+  </p:cSld>
+  <p:clrMapOvr>
+    <a:masterClrMapping/>
+  </p:clrMapOvr>
+</p:sld>
+</file>
+
+<file path=ppt/slides/slide11.xml><?xml version="1.0" encoding="utf-8"?>
+<p:sld xmlns:a="http://schemas.openxmlformats.org/drawingml/2006/main" xmlns:r="http://schemas.openxmlformats.org/officeDocument/2006/relationships" xmlns:p="http://schemas.openxmlformats.org/presentationml/2006/main">
+  <p:cSld>
+    <p:spTree>
+      <p:nvGrpSpPr>
+        <p:cNvPr id="1" name=""/>
+        <p:cNvGrpSpPr/>
+        <p:nvPr/>
+      </p:nvGrpSpPr>
+      <p:grpSpPr>
+        <a:xfrm>
+          <a:off x="0" y="0"/>
+          <a:ext cx="0" cy="0"/>
+          <a:chOff x="0" y="0"/>
+          <a:chExt cx="0" cy="0"/>
+        </a:xfrm>
+      </p:grpSpPr>
+      <p:sp>
+        <p:nvSpPr>
+          <p:cNvPr id="2" name="Title 1"/>
+          <p:cNvSpPr>
+            <a:spLocks noGrp="1"/>
+          </p:cNvSpPr>
+          <p:nvPr>
+            <p:ph type="title"/>
+          </p:nvPr>
+        </p:nvSpPr>
+        <p:spPr/>
+        <p:txBody>
+          <a:bodyPr/>
+          <a:lstStyle/>
+          <a:p>
+            <a:pPr algn="ctr"/>
+            <a:r>
+              <a:rPr lang="en-US" dirty="0" smtClean="0">
+                <a:solidFill>
+                  <a:srgbClr val="FF0000"/>
+                </a:solidFill>
+              </a:rPr>
+              <a:t>Using different Models</a:t>
+            </a:r>
+            <a:endParaRPr lang="en-US" dirty="0">
+              <a:solidFill>
+                <a:srgbClr val="FF0000"/>
+              </a:solidFill>
+            </a:endParaRPr>
+          </a:p>
+        </p:txBody>
+      </p:sp>
+      <p:sp>
+        <p:nvSpPr>
+          <p:cNvPr id="3" name="Content Placeholder 2"/>
+          <p:cNvSpPr>
+            <a:spLocks noGrp="1"/>
+          </p:cNvSpPr>
+          <p:nvPr>
+            <p:ph idx="1"/>
+          </p:nvPr>
+        </p:nvSpPr>
+        <p:spPr/>
+        <p:txBody>
+          <a:bodyPr/>
+          <a:lstStyle/>
+          <a:p>
+            <a:pPr marL="514350" indent="-514350">
+              <a:buAutoNum type="arabicPeriod"/>
+            </a:pPr>
+            <a:r>
+              <a:rPr lang="en-US" dirty="0" smtClean="0"/>
+              <a:t>Modeling with SVD using </a:t>
+            </a:r>
+            <a:r>
+              <a:rPr lang="en-US" dirty="0" err="1" smtClean="0"/>
+              <a:t>gridsearch</a:t>
+            </a:r>
+            <a:r>
+              <a:rPr lang="en-US" dirty="0" smtClean="0"/>
+              <a:t> – Test RMSE = 86.93%</a:t>
+            </a:r>
+          </a:p>
+          <a:p>
+            <a:pPr marL="514350" indent="-514350">
+              <a:buAutoNum type="arabicPeriod"/>
+            </a:pPr>
+            <a:endParaRPr lang="en-US" dirty="0"/>
+          </a:p>
+          <a:p>
+            <a:pPr marL="514350" indent="-514350">
+              <a:buAutoNum type="arabicPeriod"/>
+            </a:pPr>
+            <a:r>
+              <a:rPr lang="en-US" dirty="0" smtClean="0"/>
+              <a:t>Cross validation with </a:t>
+            </a:r>
+            <a:r>
+              <a:rPr lang="en-US" dirty="0" err="1" smtClean="0"/>
+              <a:t>KNNBasic</a:t>
+            </a:r>
+            <a:r>
+              <a:rPr lang="en-US" dirty="0" smtClean="0"/>
+              <a:t> – Test RMSE = 97.36%</a:t>
+            </a:r>
+            <a:endParaRPr lang="en-US" dirty="0"/>
+          </a:p>
+          <a:p>
+            <a:pPr marL="514350" indent="-514350">
+              <a:buAutoNum type="arabicPeriod"/>
+            </a:pPr>
+            <a:endParaRPr lang="en-US" dirty="0" smtClean="0"/>
+          </a:p>
+          <a:p>
+            <a:pPr marL="514350" indent="-514350">
+              <a:buAutoNum type="arabicPeriod"/>
+            </a:pPr>
+            <a:r>
+              <a:rPr lang="en-US" dirty="0" smtClean="0"/>
+              <a:t>Cross validation with </a:t>
+            </a:r>
+            <a:r>
+              <a:rPr lang="en-US" dirty="0" err="1" smtClean="0"/>
+              <a:t>KNNBaseline</a:t>
+            </a:r>
+            <a:r>
+              <a:rPr lang="en-US" dirty="0" smtClean="0"/>
+              <a:t> – Test RMSE = 87.67%</a:t>
+            </a:r>
+          </a:p>
+          <a:p>
+            <a:pPr marL="514350" indent="-514350">
+              <a:buAutoNum type="arabicPeriod"/>
+            </a:pPr>
+            <a:endParaRPr lang="en-US" dirty="0"/>
+          </a:p>
+          <a:p>
+            <a:pPr marL="514350" indent="-514350">
+              <a:buAutoNum type="arabicPeriod"/>
+            </a:pPr>
+            <a:r>
+              <a:rPr lang="en-US" dirty="0" smtClean="0"/>
+              <a:t>Cross validation with </a:t>
+            </a:r>
+            <a:r>
+              <a:rPr lang="en-US" dirty="0" err="1" smtClean="0"/>
+              <a:t>KNNWithMeans</a:t>
+            </a:r>
+            <a:r>
+              <a:rPr lang="en-US" dirty="0" smtClean="0"/>
+              <a:t> – Test RMSE = 89.74%</a:t>
+            </a:r>
+            <a:endParaRPr lang="en-US" dirty="0"/>
+          </a:p>
+        </p:txBody>
+      </p:sp>
+    </p:spTree>
+    <p:extLst>
+      <p:ext uri="{BB962C8B-B14F-4D97-AF65-F5344CB8AC3E}">
+        <p14:creationId xmlns:p14="http://schemas.microsoft.com/office/powerpoint/2010/main" val="177171555"/>
+      </p:ext>
+    </p:extLst>
+  </p:cSld>
+  <p:clrMapOvr>
+    <a:masterClrMapping/>
+  </p:clrMapOvr>
+</p:sld>
+</file>
+
+<file path=ppt/slides/slide12.xml><?xml version="1.0" encoding="utf-8"?>
+<p:sld xmlns:a="http://schemas.openxmlformats.org/drawingml/2006/main" xmlns:r="http://schemas.openxmlformats.org/officeDocument/2006/relationships" xmlns:p="http://schemas.openxmlformats.org/presentationml/2006/main">
+  <p:cSld>
+    <p:spTree>
+      <p:nvGrpSpPr>
+        <p:cNvPr id="1" name=""/>
+        <p:cNvGrpSpPr/>
+        <p:nvPr/>
+      </p:nvGrpSpPr>
+      <p:grpSpPr>
+        <a:xfrm>
+          <a:off x="0" y="0"/>
+          <a:ext cx="0" cy="0"/>
+          <a:chOff x="0" y="0"/>
+          <a:chExt cx="0" cy="0"/>
+        </a:xfrm>
+      </p:grpSpPr>
+      <p:sp>
+        <p:nvSpPr>
+          <p:cNvPr id="2" name="Title 1"/>
+          <p:cNvSpPr>
+            <a:spLocks noGrp="1"/>
+          </p:cNvSpPr>
+          <p:nvPr>
+            <p:ph type="title"/>
+          </p:nvPr>
+        </p:nvSpPr>
+        <p:spPr/>
+        <p:txBody>
+          <a:bodyPr/>
+          <a:lstStyle/>
+          <a:p>
+            <a:pPr algn="ctr"/>
+            <a:r>
+              <a:rPr lang="en-US" dirty="0" smtClean="0">
+                <a:solidFill>
+                  <a:srgbClr val="FF0000"/>
+                </a:solidFill>
+              </a:rPr>
+              <a:t>Using SVD for modeling</a:t>
+            </a:r>
+            <a:endParaRPr lang="en-US" dirty="0">
+              <a:solidFill>
+                <a:srgbClr val="FF0000"/>
+              </a:solidFill>
+            </a:endParaRPr>
+          </a:p>
+        </p:txBody>
+      </p:sp>
+      <p:sp>
+        <p:nvSpPr>
+          <p:cNvPr id="3" name="Content Placeholder 2"/>
+          <p:cNvSpPr>
+            <a:spLocks noGrp="1"/>
+          </p:cNvSpPr>
+          <p:nvPr>
+            <p:ph idx="1"/>
+          </p:nvPr>
+        </p:nvSpPr>
+        <p:spPr/>
+        <p:txBody>
+          <a:bodyPr>
+            <a:normAutofit/>
+          </a:bodyPr>
+          <a:lstStyle/>
+          <a:p>
+            <a:r>
+              <a:rPr lang="en-US" sz="4400" dirty="0" smtClean="0"/>
+              <a:t>SVD has the lowest RMSE at 86.93 and therefore used for creating a recommender system.</a:t>
+            </a:r>
+            <a:endParaRPr lang="en-US" sz="4400" dirty="0"/>
+          </a:p>
+        </p:txBody>
+      </p:sp>
+    </p:spTree>
+    <p:extLst>
+      <p:ext uri="{BB962C8B-B14F-4D97-AF65-F5344CB8AC3E}">
+        <p14:creationId xmlns:p14="http://schemas.microsoft.com/office/powerpoint/2010/main" val="2714056144"/>
+      </p:ext>
+    </p:extLst>
+  </p:cSld>
+  <p:clrMapOvr>
+    <a:masterClrMapping/>
+  </p:clrMapOvr>
+</p:sld>
+</file>
+
+<file path=ppt/slides/slide13.xml><?xml version="1.0" encoding="utf-8"?>
+<p:sld xmlns:a="http://schemas.openxmlformats.org/drawingml/2006/main" xmlns:r="http://schemas.openxmlformats.org/officeDocument/2006/relationships" xmlns:p="http://schemas.openxmlformats.org/presentationml/2006/main">
+  <p:cSld>
+    <p:spTree>
+      <p:nvGrpSpPr>
+        <p:cNvPr id="1" name=""/>
+        <p:cNvGrpSpPr/>
+        <p:nvPr/>
+      </p:nvGrpSpPr>
+      <p:grpSpPr>
+        <a:xfrm>
+          <a:off x="0" y="0"/>
+          <a:ext cx="0" cy="0"/>
+          <a:chOff x="0" y="0"/>
+          <a:chExt cx="0" cy="0"/>
+        </a:xfrm>
+      </p:grpSpPr>
+      <p:sp>
+        <p:nvSpPr>
+          <p:cNvPr id="2" name="Title 1"/>
+          <p:cNvSpPr>
+            <a:spLocks noGrp="1"/>
+          </p:cNvSpPr>
+          <p:nvPr>
+            <p:ph type="title"/>
+          </p:nvPr>
+        </p:nvSpPr>
+        <p:spPr/>
+        <p:txBody>
+          <a:bodyPr/>
+          <a:lstStyle/>
+          <a:p>
+            <a:pPr algn="ctr"/>
+            <a:r>
+              <a:rPr lang="en-US" dirty="0" smtClean="0">
+                <a:solidFill>
+                  <a:srgbClr val="FF0000"/>
+                </a:solidFill>
+              </a:rPr>
+              <a:t>Making Recommendations</a:t>
+            </a:r>
+            <a:endParaRPr lang="en-US" dirty="0">
+              <a:solidFill>
+                <a:srgbClr val="FF0000"/>
+              </a:solidFill>
+            </a:endParaRPr>
+          </a:p>
+        </p:txBody>
+      </p:sp>
+      <p:sp>
+        <p:nvSpPr>
+          <p:cNvPr id="3" name="Content Placeholder 2"/>
+          <p:cNvSpPr>
+            <a:spLocks noGrp="1"/>
+          </p:cNvSpPr>
+          <p:nvPr>
+            <p:ph idx="1"/>
+          </p:nvPr>
+        </p:nvSpPr>
+        <p:spPr/>
+        <p:txBody>
+          <a:bodyPr>
+            <a:normAutofit lnSpcReduction="10000"/>
+          </a:bodyPr>
+          <a:lstStyle/>
+          <a:p>
+            <a:r>
+              <a:rPr lang="en-US" dirty="0" smtClean="0"/>
+              <a:t>Recommendation  1:  "</a:t>
+            </a:r>
+            <a:r>
+              <a:rPr lang="en-US" dirty="0"/>
+              <a:t>The Godfather, The (1972</a:t>
+            </a:r>
+            <a:r>
+              <a:rPr lang="en-US" dirty="0" smtClean="0"/>
+              <a:t>)".</a:t>
+            </a:r>
+          </a:p>
+          <a:p>
+            <a:endParaRPr lang="en-US" dirty="0"/>
+          </a:p>
+          <a:p>
+            <a:r>
+              <a:rPr lang="en-US" dirty="0" smtClean="0"/>
+              <a:t>Recommendation  2:  "</a:t>
+            </a:r>
+            <a:r>
+              <a:rPr lang="en-US" dirty="0"/>
+              <a:t>The Shawshank Redemption (1994</a:t>
+            </a:r>
+            <a:r>
+              <a:rPr lang="en-US" dirty="0" smtClean="0"/>
+              <a:t>)".</a:t>
+            </a:r>
+          </a:p>
+          <a:p>
+            <a:pPr marL="0" indent="0">
+              <a:buNone/>
+            </a:pPr>
+            <a:endParaRPr lang="en-US" dirty="0"/>
+          </a:p>
+          <a:p>
+            <a:r>
+              <a:rPr lang="en-US" dirty="0" smtClean="0"/>
+              <a:t>Recommendation  3:  "</a:t>
+            </a:r>
+            <a:r>
+              <a:rPr lang="en-US" dirty="0"/>
+              <a:t>Fight Club (1999</a:t>
+            </a:r>
+            <a:r>
+              <a:rPr lang="en-US" dirty="0" smtClean="0"/>
+              <a:t>)".</a:t>
+            </a:r>
+          </a:p>
+          <a:p>
+            <a:endParaRPr lang="en-US" dirty="0"/>
+          </a:p>
+          <a:p>
+            <a:r>
+              <a:rPr lang="en-US" dirty="0" smtClean="0"/>
+              <a:t>Recommendation  4:  "</a:t>
+            </a:r>
+            <a:r>
+              <a:rPr lang="en-US" dirty="0"/>
+              <a:t>The Boondock Saints (2000</a:t>
+            </a:r>
+            <a:r>
+              <a:rPr lang="en-US" dirty="0" smtClean="0"/>
+              <a:t>)".</a:t>
+            </a:r>
+          </a:p>
+          <a:p>
+            <a:endParaRPr lang="en-US" dirty="0"/>
+          </a:p>
+          <a:p>
+            <a:r>
+              <a:rPr lang="en-US" dirty="0" smtClean="0"/>
+              <a:t>Recommendation  5: "</a:t>
+            </a:r>
+            <a:r>
+              <a:rPr lang="en-US" dirty="0"/>
+              <a:t>Lawrence of Arabia (1962)".</a:t>
+            </a:r>
+          </a:p>
+        </p:txBody>
+      </p:sp>
+    </p:spTree>
+    <p:extLst>
+      <p:ext uri="{BB962C8B-B14F-4D97-AF65-F5344CB8AC3E}">
+        <p14:creationId xmlns:p14="http://schemas.microsoft.com/office/powerpoint/2010/main" val="2490026606"/>
+      </p:ext>
+    </p:extLst>
+  </p:cSld>
+  <p:clrMapOvr>
+    <a:masterClrMapping/>
+  </p:clrMapOvr>
+</p:sld>
+</file>
+
+<file path=ppt/slides/slide14.xml><?xml version="1.0" encoding="utf-8"?>
+<p:sld xmlns:a="http://schemas.openxmlformats.org/drawingml/2006/main" xmlns:r="http://schemas.openxmlformats.org/officeDocument/2006/relationships" xmlns:p="http://schemas.openxmlformats.org/presentationml/2006/main">
+  <p:cSld>
+    <p:spTree>
+      <p:nvGrpSpPr>
+        <p:cNvPr id="1" name=""/>
+        <p:cNvGrpSpPr/>
+        <p:nvPr/>
+      </p:nvGrpSpPr>
+      <p:grpSpPr>
+        <a:xfrm>
+          <a:off x="0" y="0"/>
+          <a:ext cx="0" cy="0"/>
+          <a:chOff x="0" y="0"/>
+          <a:chExt cx="0" cy="0"/>
+        </a:xfrm>
+      </p:grpSpPr>
+      <p:sp>
+        <p:nvSpPr>
+          <p:cNvPr id="2" name="Title 1"/>
+          <p:cNvSpPr>
+            <a:spLocks noGrp="1"/>
+          </p:cNvSpPr>
+          <p:nvPr>
+            <p:ph type="title"/>
+          </p:nvPr>
+        </p:nvSpPr>
+        <p:spPr>
+          <a:xfrm>
+            <a:off x="838200" y="365125"/>
+            <a:ext cx="10515600" cy="6492875"/>
+          </a:xfrm>
+        </p:spPr>
+        <p:txBody>
+          <a:bodyPr>
+            <a:normAutofit/>
+          </a:bodyPr>
+          <a:lstStyle/>
+          <a:p>
+            <a:pPr algn="ctr"/>
+            <a:r>
+              <a:rPr lang="en-US" sz="9600" b="1" dirty="0" smtClean="0">
+                <a:solidFill>
+                  <a:srgbClr val="FF0000"/>
+                </a:solidFill>
+              </a:rPr>
+              <a:t>THANK YOU!</a:t>
+            </a:r>
+            <a:endParaRPr lang="en-US" sz="9600" b="1" dirty="0">
+              <a:solidFill>
+                <a:srgbClr val="FF0000"/>
+              </a:solidFill>
+            </a:endParaRPr>
+          </a:p>
+        </p:txBody>
+      </p:sp>
+    </p:spTree>
+    <p:extLst>
+      <p:ext uri="{BB962C8B-B14F-4D97-AF65-F5344CB8AC3E}">
+        <p14:creationId xmlns:p14="http://schemas.microsoft.com/office/powerpoint/2010/main" val="2577940124"/>
+      </p:ext>
+    </p:extLst>
+  </p:cSld>
+  <p:clrMapOvr>
+    <a:masterClrMapping/>
+  </p:clrMapOvr>
+</p:sld>
+</file>
+
+<file path=ppt/slides/slide2.xml><?xml version="1.0" encoding="utf-8"?>
+<p:sld xmlns:a="http://schemas.openxmlformats.org/drawingml/2006/main" xmlns:r="http://schemas.openxmlformats.org/officeDocument/2006/relationships" xmlns:p="http://schemas.openxmlformats.org/presentationml/2006/main">
+  <p:cSld>
+    <p:bg>
+      <p:bgPr>
+        <a:blipFill dpi="0" rotWithShape="1">
+          <a:blip r:embed="rId2">
+            <a:alphaModFix amt="8000"/>
+            <a:lum/>
+          </a:blip>
+          <a:srcRect/>
+          <a:stretch>
+            <a:fillRect t="6000" b="-4000"/>
+          </a:stretch>
+        </a:blipFill>
+        <a:effectLst/>
+      </p:bgPr>
+    </p:bg>
+    <p:spTree>
+      <p:nvGrpSpPr>
+        <p:cNvPr id="1" name=""/>
+        <p:cNvGrpSpPr/>
+        <p:nvPr/>
+      </p:nvGrpSpPr>
+      <p:grpSpPr>
+        <a:xfrm>
+          <a:off x="0" y="0"/>
+          <a:ext cx="0" cy="0"/>
+          <a:chOff x="0" y="0"/>
+          <a:chExt cx="0" cy="0"/>
+        </a:xfrm>
+      </p:grpSpPr>
+      <p:sp>
+        <p:nvSpPr>
+          <p:cNvPr id="2" name="Title 1"/>
+          <p:cNvSpPr>
+            <a:spLocks noGrp="1"/>
+          </p:cNvSpPr>
+          <p:nvPr>
+            <p:ph type="title"/>
+          </p:nvPr>
+        </p:nvSpPr>
+        <p:spPr/>
+        <p:txBody>
+          <a:bodyPr/>
+          <a:lstStyle/>
+          <a:p>
+            <a:pPr algn="ctr"/>
+            <a:r>
+              <a:rPr lang="en-US" dirty="0" smtClean="0">
+                <a:solidFill>
+                  <a:srgbClr val="FF0000"/>
+                </a:solidFill>
+              </a:rPr>
               <a:t>Description</a:t>
             </a:r>
-            <a:endParaRPr lang="en-US" dirty="0"/>
+            <a:endParaRPr lang="en-US" dirty="0">
+              <a:solidFill>
+                <a:srgbClr val="FF0000"/>
+              </a:solidFill>
+            </a:endParaRPr>
           </a:p>
         </p:txBody>
       </p:sp>
@@ -3200,10 +3841,18 @@
           <a:p>
             <a:pPr algn="ctr"/>
             <a:r>
-              <a:rPr lang="en-US" dirty="0" smtClean="0"/>
+              <a:rPr lang="en-US" dirty="0" smtClean="0">
+                <a:solidFill>
+                  <a:srgbClr val="FF0000"/>
+                </a:solidFill>
+              </a:rPr>
               <a:t>Business Problem</a:t>
             </a:r>
-            <a:endParaRPr lang="en-US" dirty="0"/>
+            <a:endParaRPr lang="en-US" dirty="0">
+              <a:solidFill>
+                <a:srgbClr val="FF0000"/>
+              </a:solidFill>
+            </a:endParaRPr>
           </a:p>
         </p:txBody>
       </p:sp>
@@ -3232,21 +3881,18 @@
               <a:t>Users finds it difficult to choose content that matches </a:t>
             </a:r>
             <a:r>
-              <a:rPr lang="en-US" dirty="0" err="1"/>
-              <a:t>thier</a:t>
+              <a:rPr lang="en-US" dirty="0" smtClean="0"/>
+              <a:t>their </a:t>
             </a:r>
             <a:r>
               <a:rPr lang="en-US" dirty="0"/>
-              <a:t> preferences. Lack of personalized recommendations leads to users </a:t>
-            </a:r>
-            <a:r>
-              <a:rPr lang="en-US" dirty="0" err="1"/>
-              <a:t>disatisfaction</a:t>
-            </a:r>
-            <a:r>
-              <a:rPr lang="en-US" dirty="0"/>
-              <a:t>.</a:t>
-            </a:r>
+              <a:t>preferences. Lack of personalized recommendations leads to users </a:t>
+            </a:r>
+            <a:r>
+              <a:rPr lang="en-US" dirty="0" smtClean="0"/>
+              <a:t>dissatisfaction.</a:t>
+            </a:r>
+            <a:endParaRPr lang="en-US" dirty="0"/>
           </a:p>
           <a:p>
             <a:pPr marL="0" indent="0">
@@ -3371,10 +4017,18 @@
           <a:p>
             <a:pPr algn="ctr"/>
             <a:r>
-              <a:rPr lang="en-US" dirty="0" smtClean="0"/>
+              <a:rPr lang="en-US" dirty="0" smtClean="0">
+                <a:solidFill>
+                  <a:srgbClr val="FF0000"/>
+                </a:solidFill>
+              </a:rPr>
               <a:t>Objectives</a:t>
             </a:r>
-            <a:endParaRPr lang="en-US" dirty="0"/>
+            <a:endParaRPr lang="en-US" dirty="0">
+              <a:solidFill>
+                <a:srgbClr val="FF0000"/>
+              </a:solidFill>
+            </a:endParaRPr>
           </a:p>
         </p:txBody>
       </p:sp>
@@ -3402,20 +4056,12 @@
               <a:t> </a:t>
             </a:r>
             <a:r>
-              <a:rPr lang="en-US" dirty="0" err="1" smtClean="0"/>
-              <a:t>Peformance</a:t>
-            </a:r>
-            <a:r>
-              <a:rPr lang="en-US" dirty="0" smtClean="0"/>
-              <a:t> </a:t>
-            </a:r>
-            <a:r>
-              <a:rPr lang="en-US" dirty="0" err="1"/>
-              <a:t>avaluation</a:t>
+              <a:rPr lang="en-US" dirty="0" smtClean="0"/>
+              <a:t>Performance evaluation </a:t>
             </a:r>
             <a:r>
               <a:rPr lang="en-US" dirty="0"/>
-              <a:t> of the </a:t>
+              <a:t>of the </a:t>
             </a:r>
             <a:r>
               <a:rPr lang="en-US" dirty="0" smtClean="0"/>
@@ -3520,10 +4166,18 @@
           <a:p>
             <a:pPr algn="ctr"/>
             <a:r>
-              <a:rPr lang="en-US" dirty="0" smtClean="0"/>
+              <a:rPr lang="en-US" dirty="0" smtClean="0">
+                <a:solidFill>
+                  <a:srgbClr val="FF0000"/>
+                </a:solidFill>
+              </a:rPr>
               <a:t>Shareholders</a:t>
             </a:r>
-            <a:endParaRPr lang="en-US" dirty="0"/>
+            <a:endParaRPr lang="en-US" dirty="0">
+              <a:solidFill>
+                <a:srgbClr val="FF0000"/>
+              </a:solidFill>
+            </a:endParaRPr>
           </a:p>
         </p:txBody>
       </p:sp>
@@ -3697,10 +4351,18 @@
           <a:p>
             <a:pPr algn="ctr"/>
             <a:r>
-              <a:rPr lang="en-US" dirty="0" smtClean="0"/>
+              <a:rPr lang="en-US" dirty="0" smtClean="0">
+                <a:solidFill>
+                  <a:srgbClr val="FF0000"/>
+                </a:solidFill>
+              </a:rPr>
               <a:t>Data Understanding</a:t>
             </a:r>
-            <a:endParaRPr lang="en-US" dirty="0"/>
+            <a:endParaRPr lang="en-US" dirty="0">
+              <a:solidFill>
+                <a:srgbClr val="FF0000"/>
+              </a:solidFill>
+            </a:endParaRPr>
           </a:p>
         </p:txBody>
       </p:sp>
@@ -3770,12 +4432,12 @@
               <a:t>sourced from the </a:t>
             </a:r>
             <a:r>
-              <a:rPr lang="en-US" dirty="0" err="1"/>
-              <a:t>GroupLens</a:t>
+              <a:rPr lang="en-US" dirty="0" smtClean="0"/>
+              <a:t>Group Lens </a:t>
             </a:r>
             <a:r>
               <a:rPr lang="en-US" dirty="0"/>
-              <a:t> research lab at the University of Minnesota</a:t>
+              <a:t>research lab at the University of Minnesota</a:t>
             </a:r>
             <a:r>
               <a:rPr lang="en-US" dirty="0" smtClean="0"/>
@@ -3798,12 +4460,12 @@
               <a:t> The small dataset containing 100,000 user ratings and a subset of the data </a:t>
             </a:r>
             <a:r>
-              <a:rPr lang="en-US" dirty="0" err="1" smtClean="0"/>
-              <a:t>i.e</a:t>
-            </a:r>
-            <a:r>
-              <a:rPr lang="en-US" dirty="0" smtClean="0"/>
-              <a:t> `movies` and `ratings` was used.</a:t>
+              <a:rPr lang="en-US" dirty="0" smtClean="0"/>
+              <a:t>i.e. movies and ratings was </a:t>
+            </a:r>
+            <a:r>
+              <a:rPr lang="en-US" dirty="0" smtClean="0"/>
+              <a:t>used.</a:t>
             </a:r>
             <a:endParaRPr lang="en-US" dirty="0"/>
           </a:p>
@@ -3823,16 +4485,12 @@
               <a:t> </a:t>
             </a:r>
             <a:r>
-              <a:rPr lang="en-US" dirty="0" err="1" smtClean="0"/>
-              <a:t>movieID</a:t>
-            </a:r>
-            <a:r>
-              <a:rPr lang="en-US" dirty="0"/>
-              <a:t> </a:t>
-            </a:r>
-            <a:r>
-              <a:rPr lang="en-US" dirty="0" smtClean="0"/>
-              <a:t> - uniquely identifies a movie </a:t>
+              <a:rPr lang="en-US" dirty="0" smtClean="0"/>
+              <a:t>movie ID  </a:t>
+            </a:r>
+            <a:r>
+              <a:rPr lang="en-US" dirty="0" smtClean="0"/>
+              <a:t>- uniquely identifies a movie </a:t>
             </a:r>
           </a:p>
           <a:p>
@@ -3891,10 +4549,18 @@
           <a:p>
             <a:pPr algn="ctr"/>
             <a:r>
-              <a:rPr lang="en-US" dirty="0" smtClean="0"/>
+              <a:rPr lang="en-US" dirty="0" smtClean="0">
+                <a:solidFill>
+                  <a:srgbClr val="FF0000"/>
+                </a:solidFill>
+              </a:rPr>
               <a:t>Data Understanding</a:t>
             </a:r>
-            <a:endParaRPr lang="en-US" dirty="0"/>
+            <a:endParaRPr lang="en-US" dirty="0">
+              <a:solidFill>
+                <a:srgbClr val="FF0000"/>
+              </a:solidFill>
+            </a:endParaRPr>
           </a:p>
         </p:txBody>
       </p:sp>
@@ -4040,36 +4706,216 @@
         </p:nvSpPr>
         <p:spPr/>
         <p:txBody>
-          <a:bodyPr/>
-          <a:lstStyle/>
-          <a:p>
-            <a:endParaRPr lang="en-US"/>
-          </a:p>
-        </p:txBody>
-      </p:sp>
-      <p:sp>
-        <p:nvSpPr>
-          <p:cNvPr id="3" name="Content Placeholder 2"/>
-          <p:cNvSpPr>
-            <a:spLocks noGrp="1"/>
-          </p:cNvSpPr>
-          <p:nvPr>
-            <p:ph idx="1"/>
-          </p:nvPr>
-        </p:nvSpPr>
-        <p:spPr/>
-        <p:txBody>
-          <a:bodyPr/>
-          <a:lstStyle/>
-          <a:p>
-            <a:endParaRPr lang="en-US"/>
+          <a:bodyPr>
+            <a:normAutofit/>
+          </a:bodyPr>
+          <a:lstStyle/>
+          <a:p>
+            <a:r>
+              <a:rPr lang="en-US" dirty="0" smtClean="0">
+                <a:solidFill>
+                  <a:srgbClr val="FF0000"/>
+                </a:solidFill>
+              </a:rPr>
+              <a:t>Genre popularity visualizations</a:t>
+            </a:r>
+            <a:endParaRPr lang="en-US" dirty="0">
+              <a:solidFill>
+                <a:srgbClr val="FF0000"/>
+              </a:solidFill>
+            </a:endParaRPr>
+          </a:p>
+        </p:txBody>
+      </p:sp>
+      <p:pic>
+        <p:nvPicPr>
+          <p:cNvPr id="5" name="Picture Placeholder 4"/>
+          <p:cNvPicPr>
+            <a:picLocks noGrp="1" noChangeAspect="1"/>
+          </p:cNvPicPr>
+          <p:nvPr>
+            <p:ph type="pic" idx="1"/>
+          </p:nvPr>
+        </p:nvPicPr>
+        <p:blipFill>
+          <a:blip r:embed="rId2">
+            <a:extLst>
+              <a:ext uri="{28A0092B-C50C-407E-A947-70E740481C1C}">
+                <a14:useLocalDpi xmlns:a14="http://schemas.microsoft.com/office/drawing/2010/main" val="0"/>
+              </a:ext>
+            </a:extLst>
+          </a:blip>
+          <a:srcRect t="11215" b="11215"/>
+          <a:stretch>
+            <a:fillRect/>
+          </a:stretch>
+        </p:blipFill>
+        <p:spPr>
+          <a:xfrm>
+            <a:off x="4772025" y="590843"/>
+            <a:ext cx="7419975" cy="5832817"/>
+          </a:xfrm>
+        </p:spPr>
+      </p:pic>
+      <p:sp>
+        <p:nvSpPr>
+          <p:cNvPr id="4" name="Text Placeholder 3"/>
+          <p:cNvSpPr>
+            <a:spLocks noGrp="1"/>
+          </p:cNvSpPr>
+          <p:nvPr>
+            <p:ph type="body" sz="half" idx="2"/>
+          </p:nvPr>
+        </p:nvSpPr>
+        <p:spPr>
+          <a:xfrm>
+            <a:off x="839788" y="2057400"/>
+            <a:ext cx="3932237" cy="1714500"/>
+          </a:xfrm>
+        </p:spPr>
+        <p:txBody>
+          <a:bodyPr>
+            <a:normAutofit/>
+          </a:bodyPr>
+          <a:lstStyle/>
+          <a:p>
+            <a:pPr marL="285750" indent="-285750">
+              <a:buFont typeface="Arial" panose="020B0604020202020204" pitchFamily="34" charset="0"/>
+              <a:buChar char="•"/>
+            </a:pPr>
+            <a:r>
+              <a:rPr lang="en-US" sz="2800" dirty="0" smtClean="0"/>
+              <a:t>Genres Drama, Comedy and Action are the most popular ones</a:t>
+            </a:r>
+            <a:endParaRPr lang="en-US" sz="2800" dirty="0"/>
           </a:p>
         </p:txBody>
       </p:sp>
     </p:spTree>
     <p:extLst>
       <p:ext uri="{BB962C8B-B14F-4D97-AF65-F5344CB8AC3E}">
-        <p14:creationId xmlns:p14="http://schemas.microsoft.com/office/powerpoint/2010/main" val="4075820839"/>
+        <p14:creationId xmlns:p14="http://schemas.microsoft.com/office/powerpoint/2010/main" val="149061724"/>
+      </p:ext>
+    </p:extLst>
+  </p:cSld>
+  <p:clrMapOvr>
+    <a:masterClrMapping/>
+  </p:clrMapOvr>
+</p:sld>
+</file>
+
+<file path=ppt/slides/slide9.xml><?xml version="1.0" encoding="utf-8"?>
+<p:sld xmlns:a="http://schemas.openxmlformats.org/drawingml/2006/main" xmlns:r="http://schemas.openxmlformats.org/officeDocument/2006/relationships" xmlns:p="http://schemas.openxmlformats.org/presentationml/2006/main">
+  <p:cSld>
+    <p:spTree>
+      <p:nvGrpSpPr>
+        <p:cNvPr id="1" name=""/>
+        <p:cNvGrpSpPr/>
+        <p:nvPr/>
+      </p:nvGrpSpPr>
+      <p:grpSpPr>
+        <a:xfrm>
+          <a:off x="0" y="0"/>
+          <a:ext cx="0" cy="0"/>
+          <a:chOff x="0" y="0"/>
+          <a:chExt cx="0" cy="0"/>
+        </a:xfrm>
+      </p:grpSpPr>
+      <p:sp>
+        <p:nvSpPr>
+          <p:cNvPr id="2" name="Title 1"/>
+          <p:cNvSpPr>
+            <a:spLocks noGrp="1"/>
+          </p:cNvSpPr>
+          <p:nvPr>
+            <p:ph type="title"/>
+          </p:nvPr>
+        </p:nvSpPr>
+        <p:spPr/>
+        <p:txBody>
+          <a:bodyPr/>
+          <a:lstStyle/>
+          <a:p>
+            <a:r>
+              <a:rPr lang="en-US" dirty="0" smtClean="0">
+                <a:solidFill>
+                  <a:srgbClr val="FF0000"/>
+                </a:solidFill>
+              </a:rPr>
+              <a:t>Ratings Distribution</a:t>
+            </a:r>
+            <a:endParaRPr lang="en-US" dirty="0">
+              <a:solidFill>
+                <a:srgbClr val="FF0000"/>
+              </a:solidFill>
+            </a:endParaRPr>
+          </a:p>
+        </p:txBody>
+      </p:sp>
+      <p:pic>
+        <p:nvPicPr>
+          <p:cNvPr id="5" name="Picture Placeholder 4"/>
+          <p:cNvPicPr>
+            <a:picLocks noGrp="1" noChangeAspect="1"/>
+          </p:cNvPicPr>
+          <p:nvPr>
+            <p:ph type="pic" idx="1"/>
+          </p:nvPr>
+        </p:nvPicPr>
+        <p:blipFill>
+          <a:blip r:embed="rId2">
+            <a:extLst>
+              <a:ext uri="{28A0092B-C50C-407E-A947-70E740481C1C}">
+                <a14:useLocalDpi xmlns:a14="http://schemas.microsoft.com/office/drawing/2010/main" val="0"/>
+              </a:ext>
+            </a:extLst>
+          </a:blip>
+          <a:srcRect l="2017" r="2017"/>
+          <a:stretch>
+            <a:fillRect/>
+          </a:stretch>
+        </p:blipFill>
+        <p:spPr>
+          <a:xfrm>
+            <a:off x="4937760" y="987425"/>
+            <a:ext cx="6972300" cy="5527675"/>
+          </a:xfrm>
+        </p:spPr>
+      </p:pic>
+      <p:sp>
+        <p:nvSpPr>
+          <p:cNvPr id="4" name="Text Placeholder 3"/>
+          <p:cNvSpPr>
+            <a:spLocks noGrp="1"/>
+          </p:cNvSpPr>
+          <p:nvPr>
+            <p:ph type="body" sz="half" idx="2"/>
+          </p:nvPr>
+        </p:nvSpPr>
+        <p:spPr>
+          <a:xfrm>
+            <a:off x="839788" y="2057400"/>
+            <a:ext cx="3932237" cy="1874520"/>
+          </a:xfrm>
+        </p:spPr>
+        <p:txBody>
+          <a:bodyPr>
+            <a:normAutofit/>
+          </a:bodyPr>
+          <a:lstStyle/>
+          <a:p>
+            <a:r>
+              <a:rPr lang="en-US" sz="3200" dirty="0" smtClean="0"/>
+              <a:t>Rating 4 has the highest frequency followed by 3,5,2 and 1</a:t>
+            </a:r>
+            <a:endParaRPr lang="en-US" sz="3200" dirty="0"/>
+          </a:p>
+        </p:txBody>
+      </p:sp>
+    </p:spTree>
+    <p:extLst>
+      <p:ext uri="{BB962C8B-B14F-4D97-AF65-F5344CB8AC3E}">
+        <p14:creationId xmlns:p14="http://schemas.microsoft.com/office/powerpoint/2010/main" val="385416901"/>
       </p:ext>
     </p:extLst>
   </p:cSld>
